--- a/SPPoint.pptx
+++ b/SPPoint.pptx
@@ -111,6 +111,11 @@
       </a:defRPr>
     </a:lvl9pPr>
   </p:defaultTextStyle>
+  <p:extLst>
+    <p:ext uri="{EFAFB233-063F-42B5-8137-9DF3F51BA10A}">
+      <p15:sldGuideLst xmlns:p15="http://schemas.microsoft.com/office/powerpoint/2012/main"/>
+    </p:ext>
+  </p:extLst>
 </p:presentation>
 </file>
 
@@ -20653,6 +20658,16 @@
   <p:clrMapOvr>
     <a:masterClrMapping/>
   </p:clrMapOvr>
+  <p:transition spd="slow">
+    <p:push dir="u"/>
+  </p:transition>
+  <p:timing>
+    <p:tnLst>
+      <p:par>
+        <p:cTn id="1" dur="indefinite" restart="never" nodeType="tmRoot"/>
+      </p:par>
+    </p:tnLst>
+  </p:timing>
 </p:sld>
 </file>
 
@@ -20791,6 +20806,195 @@
   <p:clrMapOvr>
     <a:masterClrMapping/>
   </p:clrMapOvr>
+  <mc:AlternateContent xmlns:mc="http://schemas.openxmlformats.org/markup-compatibility/2006">
+    <mc:Choice xmlns:p14="http://schemas.microsoft.com/office/powerpoint/2010/main" Requires="p14">
+      <p:transition spd="slow" p14:dur="1500">
+        <p:split orient="vert"/>
+      </p:transition>
+    </mc:Choice>
+    <mc:Fallback>
+      <p:transition spd="slow">
+        <p:split orient="vert"/>
+      </p:transition>
+    </mc:Fallback>
+  </mc:AlternateContent>
+  <p:timing>
+    <p:tnLst>
+      <p:par>
+        <p:cTn id="1" dur="indefinite" restart="never" nodeType="tmRoot">
+          <p:childTnLst>
+            <p:seq concurrent="1" nextAc="seek">
+              <p:cTn id="2" dur="indefinite" nodeType="mainSeq">
+                <p:childTnLst>
+                  <p:par>
+                    <p:cTn id="3" fill="hold">
+                      <p:stCondLst>
+                        <p:cond delay="indefinite"/>
+                      </p:stCondLst>
+                      <p:childTnLst>
+                        <p:par>
+                          <p:cTn id="4" fill="hold">
+                            <p:stCondLst>
+                              <p:cond delay="0"/>
+                            </p:stCondLst>
+                            <p:childTnLst>
+                              <p:par>
+                                <p:cTn id="5" presetID="2" presetClass="entr" presetSubtype="4" fill="hold" grpId="0" nodeType="clickEffect">
+                                  <p:stCondLst>
+                                    <p:cond delay="0"/>
+                                  </p:stCondLst>
+                                  <p:childTnLst>
+                                    <p:set>
+                                      <p:cBhvr>
+                                        <p:cTn id="6" dur="1" fill="hold">
+                                          <p:stCondLst>
+                                            <p:cond delay="0"/>
+                                          </p:stCondLst>
+                                        </p:cTn>
+                                        <p:tgtEl>
+                                          <p:spTgt spid="4"/>
+                                        </p:tgtEl>
+                                        <p:attrNameLst>
+                                          <p:attrName>style.visibility</p:attrName>
+                                        </p:attrNameLst>
+                                      </p:cBhvr>
+                                      <p:to>
+                                        <p:strVal val="visible"/>
+                                      </p:to>
+                                    </p:set>
+                                    <p:anim calcmode="lin" valueType="num">
+                                      <p:cBhvr additive="base">
+                                        <p:cTn id="7" dur="500" fill="hold"/>
+                                        <p:tgtEl>
+                                          <p:spTgt spid="4"/>
+                                        </p:tgtEl>
+                                        <p:attrNameLst>
+                                          <p:attrName>ppt_x</p:attrName>
+                                        </p:attrNameLst>
+                                      </p:cBhvr>
+                                      <p:tavLst>
+                                        <p:tav tm="0">
+                                          <p:val>
+                                            <p:strVal val="#ppt_x"/>
+                                          </p:val>
+                                        </p:tav>
+                                        <p:tav tm="100000">
+                                          <p:val>
+                                            <p:strVal val="#ppt_x"/>
+                                          </p:val>
+                                        </p:tav>
+                                      </p:tavLst>
+                                    </p:anim>
+                                    <p:anim calcmode="lin" valueType="num">
+                                      <p:cBhvr additive="base">
+                                        <p:cTn id="8" dur="500" fill="hold"/>
+                                        <p:tgtEl>
+                                          <p:spTgt spid="4"/>
+                                        </p:tgtEl>
+                                        <p:attrNameLst>
+                                          <p:attrName>ppt_y</p:attrName>
+                                        </p:attrNameLst>
+                                      </p:cBhvr>
+                                      <p:tavLst>
+                                        <p:tav tm="0">
+                                          <p:val>
+                                            <p:strVal val="1+#ppt_h/2"/>
+                                          </p:val>
+                                        </p:tav>
+                                        <p:tav tm="100000">
+                                          <p:val>
+                                            <p:strVal val="#ppt_y"/>
+                                          </p:val>
+                                        </p:tav>
+                                      </p:tavLst>
+                                    </p:anim>
+                                  </p:childTnLst>
+                                </p:cTn>
+                              </p:par>
+                            </p:childTnLst>
+                          </p:cTn>
+                        </p:par>
+                      </p:childTnLst>
+                    </p:cTn>
+                  </p:par>
+                  <p:par>
+                    <p:cTn id="9" fill="hold">
+                      <p:stCondLst>
+                        <p:cond delay="indefinite"/>
+                      </p:stCondLst>
+                      <p:childTnLst>
+                        <p:par>
+                          <p:cTn id="10" fill="hold">
+                            <p:stCondLst>
+                              <p:cond delay="0"/>
+                            </p:stCondLst>
+                            <p:childTnLst>
+                              <p:par>
+                                <p:cTn id="11" presetID="10" presetClass="entr" presetSubtype="0" fill="hold" nodeType="clickEffect">
+                                  <p:stCondLst>
+                                    <p:cond delay="0"/>
+                                  </p:stCondLst>
+                                  <p:childTnLst>
+                                    <p:set>
+                                      <p:cBhvr>
+                                        <p:cTn id="12" dur="1" fill="hold">
+                                          <p:stCondLst>
+                                            <p:cond delay="0"/>
+                                          </p:stCondLst>
+                                        </p:cTn>
+                                        <p:tgtEl>
+                                          <p:spTgt spid="1028"/>
+                                        </p:tgtEl>
+                                        <p:attrNameLst>
+                                          <p:attrName>style.visibility</p:attrName>
+                                        </p:attrNameLst>
+                                      </p:cBhvr>
+                                      <p:to>
+                                        <p:strVal val="visible"/>
+                                      </p:to>
+                                    </p:set>
+                                    <p:animEffect transition="in" filter="fade">
+                                      <p:cBhvr>
+                                        <p:cTn id="13" dur="500"/>
+                                        <p:tgtEl>
+                                          <p:spTgt spid="1028"/>
+                                        </p:tgtEl>
+                                      </p:cBhvr>
+                                    </p:animEffect>
+                                  </p:childTnLst>
+                                </p:cTn>
+                              </p:par>
+                            </p:childTnLst>
+                          </p:cTn>
+                        </p:par>
+                      </p:childTnLst>
+                    </p:cTn>
+                  </p:par>
+                </p:childTnLst>
+              </p:cTn>
+              <p:prevCondLst>
+                <p:cond evt="onPrev" delay="0">
+                  <p:tgtEl>
+                    <p:sldTgt/>
+                  </p:tgtEl>
+                </p:cond>
+              </p:prevCondLst>
+              <p:nextCondLst>
+                <p:cond evt="onNext" delay="0">
+                  <p:tgtEl>
+                    <p:sldTgt/>
+                  </p:tgtEl>
+                </p:cond>
+              </p:nextCondLst>
+            </p:seq>
+          </p:childTnLst>
+        </p:cTn>
+      </p:par>
+    </p:tnLst>
+    <p:bldLst>
+      <p:bldP spid="4" grpId="0"/>
+    </p:bldLst>
+  </p:timing>
 </p:sld>
 </file>
 
@@ -20989,6 +21193,470 @@
   <p:clrMapOvr>
     <a:masterClrMapping/>
   </p:clrMapOvr>
+  <p:timing>
+    <p:tnLst>
+      <p:par>
+        <p:cTn id="1" dur="indefinite" restart="never" nodeType="tmRoot">
+          <p:childTnLst>
+            <p:seq concurrent="1" nextAc="seek">
+              <p:cTn id="2" dur="indefinite" nodeType="mainSeq">
+                <p:childTnLst>
+                  <p:par>
+                    <p:cTn id="3" fill="hold">
+                      <p:stCondLst>
+                        <p:cond delay="indefinite"/>
+                      </p:stCondLst>
+                      <p:childTnLst>
+                        <p:par>
+                          <p:cTn id="4" fill="hold">
+                            <p:stCondLst>
+                              <p:cond delay="0"/>
+                            </p:stCondLst>
+                            <p:childTnLst>
+                              <p:par>
+                                <p:cTn id="5" presetID="22" presetClass="entr" presetSubtype="4" fill="hold" grpId="0" nodeType="clickEffect">
+                                  <p:stCondLst>
+                                    <p:cond delay="0"/>
+                                  </p:stCondLst>
+                                  <p:childTnLst>
+                                    <p:set>
+                                      <p:cBhvr>
+                                        <p:cTn id="6" dur="1" fill="hold">
+                                          <p:stCondLst>
+                                            <p:cond delay="0"/>
+                                          </p:stCondLst>
+                                        </p:cTn>
+                                        <p:tgtEl>
+                                          <p:spTgt spid="2"/>
+                                        </p:tgtEl>
+                                        <p:attrNameLst>
+                                          <p:attrName>style.visibility</p:attrName>
+                                        </p:attrNameLst>
+                                      </p:cBhvr>
+                                      <p:to>
+                                        <p:strVal val="visible"/>
+                                      </p:to>
+                                    </p:set>
+                                    <p:animEffect transition="in" filter="wipe(down)">
+                                      <p:cBhvr>
+                                        <p:cTn id="7" dur="500"/>
+                                        <p:tgtEl>
+                                          <p:spTgt spid="2"/>
+                                        </p:tgtEl>
+                                      </p:cBhvr>
+                                    </p:animEffect>
+                                  </p:childTnLst>
+                                </p:cTn>
+                              </p:par>
+                            </p:childTnLst>
+                          </p:cTn>
+                        </p:par>
+                      </p:childTnLst>
+                    </p:cTn>
+                  </p:par>
+                  <p:par>
+                    <p:cTn id="8" fill="hold">
+                      <p:stCondLst>
+                        <p:cond delay="indefinite"/>
+                      </p:stCondLst>
+                      <p:childTnLst>
+                        <p:par>
+                          <p:cTn id="9" fill="hold">
+                            <p:stCondLst>
+                              <p:cond delay="0"/>
+                            </p:stCondLst>
+                            <p:childTnLst>
+                              <p:par>
+                                <p:cTn id="10" presetID="16" presetClass="entr" presetSubtype="21" fill="hold" grpId="0" nodeType="clickEffect">
+                                  <p:stCondLst>
+                                    <p:cond delay="0"/>
+                                  </p:stCondLst>
+                                  <p:childTnLst>
+                                    <p:set>
+                                      <p:cBhvr>
+                                        <p:cTn id="11" dur="1" fill="hold">
+                                          <p:stCondLst>
+                                            <p:cond delay="0"/>
+                                          </p:stCondLst>
+                                        </p:cTn>
+                                        <p:tgtEl>
+                                          <p:spTgt spid="3">
+                                            <p:txEl>
+                                              <p:pRg st="0" end="0"/>
+                                            </p:txEl>
+                                          </p:spTgt>
+                                        </p:tgtEl>
+                                        <p:attrNameLst>
+                                          <p:attrName>style.visibility</p:attrName>
+                                        </p:attrNameLst>
+                                      </p:cBhvr>
+                                      <p:to>
+                                        <p:strVal val="visible"/>
+                                      </p:to>
+                                    </p:set>
+                                    <p:animEffect transition="in" filter="barn(inVertical)">
+                                      <p:cBhvr>
+                                        <p:cTn id="12" dur="500"/>
+                                        <p:tgtEl>
+                                          <p:spTgt spid="3">
+                                            <p:txEl>
+                                              <p:pRg st="0" end="0"/>
+                                            </p:txEl>
+                                          </p:spTgt>
+                                        </p:tgtEl>
+                                      </p:cBhvr>
+                                    </p:animEffect>
+                                  </p:childTnLst>
+                                </p:cTn>
+                              </p:par>
+                            </p:childTnLst>
+                          </p:cTn>
+                        </p:par>
+                      </p:childTnLst>
+                    </p:cTn>
+                  </p:par>
+                  <p:par>
+                    <p:cTn id="13" fill="hold">
+                      <p:stCondLst>
+                        <p:cond delay="indefinite"/>
+                      </p:stCondLst>
+                      <p:childTnLst>
+                        <p:par>
+                          <p:cTn id="14" fill="hold">
+                            <p:stCondLst>
+                              <p:cond delay="0"/>
+                            </p:stCondLst>
+                            <p:childTnLst>
+                              <p:par>
+                                <p:cTn id="15" presetID="16" presetClass="entr" presetSubtype="21" fill="hold" grpId="0" nodeType="clickEffect">
+                                  <p:stCondLst>
+                                    <p:cond delay="0"/>
+                                  </p:stCondLst>
+                                  <p:childTnLst>
+                                    <p:set>
+                                      <p:cBhvr>
+                                        <p:cTn id="16" dur="1" fill="hold">
+                                          <p:stCondLst>
+                                            <p:cond delay="0"/>
+                                          </p:stCondLst>
+                                        </p:cTn>
+                                        <p:tgtEl>
+                                          <p:spTgt spid="3">
+                                            <p:txEl>
+                                              <p:pRg st="1" end="1"/>
+                                            </p:txEl>
+                                          </p:spTgt>
+                                        </p:tgtEl>
+                                        <p:attrNameLst>
+                                          <p:attrName>style.visibility</p:attrName>
+                                        </p:attrNameLst>
+                                      </p:cBhvr>
+                                      <p:to>
+                                        <p:strVal val="visible"/>
+                                      </p:to>
+                                    </p:set>
+                                    <p:animEffect transition="in" filter="barn(inVertical)">
+                                      <p:cBhvr>
+                                        <p:cTn id="17" dur="500"/>
+                                        <p:tgtEl>
+                                          <p:spTgt spid="3">
+                                            <p:txEl>
+                                              <p:pRg st="1" end="1"/>
+                                            </p:txEl>
+                                          </p:spTgt>
+                                        </p:tgtEl>
+                                      </p:cBhvr>
+                                    </p:animEffect>
+                                  </p:childTnLst>
+                                </p:cTn>
+                              </p:par>
+                            </p:childTnLst>
+                          </p:cTn>
+                        </p:par>
+                      </p:childTnLst>
+                    </p:cTn>
+                  </p:par>
+                  <p:par>
+                    <p:cTn id="18" fill="hold">
+                      <p:stCondLst>
+                        <p:cond delay="indefinite"/>
+                      </p:stCondLst>
+                      <p:childTnLst>
+                        <p:par>
+                          <p:cTn id="19" fill="hold">
+                            <p:stCondLst>
+                              <p:cond delay="0"/>
+                            </p:stCondLst>
+                            <p:childTnLst>
+                              <p:par>
+                                <p:cTn id="20" presetID="16" presetClass="entr" presetSubtype="21" fill="hold" grpId="0" nodeType="clickEffect">
+                                  <p:stCondLst>
+                                    <p:cond delay="0"/>
+                                  </p:stCondLst>
+                                  <p:childTnLst>
+                                    <p:set>
+                                      <p:cBhvr>
+                                        <p:cTn id="21" dur="1" fill="hold">
+                                          <p:stCondLst>
+                                            <p:cond delay="0"/>
+                                          </p:stCondLst>
+                                        </p:cTn>
+                                        <p:tgtEl>
+                                          <p:spTgt spid="3">
+                                            <p:txEl>
+                                              <p:pRg st="2" end="2"/>
+                                            </p:txEl>
+                                          </p:spTgt>
+                                        </p:tgtEl>
+                                        <p:attrNameLst>
+                                          <p:attrName>style.visibility</p:attrName>
+                                        </p:attrNameLst>
+                                      </p:cBhvr>
+                                      <p:to>
+                                        <p:strVal val="visible"/>
+                                      </p:to>
+                                    </p:set>
+                                    <p:animEffect transition="in" filter="barn(inVertical)">
+                                      <p:cBhvr>
+                                        <p:cTn id="22" dur="500"/>
+                                        <p:tgtEl>
+                                          <p:spTgt spid="3">
+                                            <p:txEl>
+                                              <p:pRg st="2" end="2"/>
+                                            </p:txEl>
+                                          </p:spTgt>
+                                        </p:tgtEl>
+                                      </p:cBhvr>
+                                    </p:animEffect>
+                                  </p:childTnLst>
+                                </p:cTn>
+                              </p:par>
+                            </p:childTnLst>
+                          </p:cTn>
+                        </p:par>
+                      </p:childTnLst>
+                    </p:cTn>
+                  </p:par>
+                  <p:par>
+                    <p:cTn id="23" fill="hold">
+                      <p:stCondLst>
+                        <p:cond delay="indefinite"/>
+                      </p:stCondLst>
+                      <p:childTnLst>
+                        <p:par>
+                          <p:cTn id="24" fill="hold">
+                            <p:stCondLst>
+                              <p:cond delay="0"/>
+                            </p:stCondLst>
+                            <p:childTnLst>
+                              <p:par>
+                                <p:cTn id="25" presetID="45" presetClass="exit" presetSubtype="0" fill="hold" nodeType="clickEffect">
+                                  <p:stCondLst>
+                                    <p:cond delay="0"/>
+                                  </p:stCondLst>
+                                  <p:childTnLst>
+                                    <p:animEffect transition="out" filter="fade">
+                                      <p:cBhvr>
+                                        <p:cTn id="26" dur="2000"/>
+                                        <p:tgtEl>
+                                          <p:spTgt spid="2050"/>
+                                        </p:tgtEl>
+                                      </p:cBhvr>
+                                    </p:animEffect>
+                                    <p:anim calcmode="lin" valueType="num">
+                                      <p:cBhvr>
+                                        <p:cTn id="27" dur="2000"/>
+                                        <p:tgtEl>
+                                          <p:spTgt spid="2050"/>
+                                        </p:tgtEl>
+                                        <p:attrNameLst>
+                                          <p:attrName>ppt_w</p:attrName>
+                                        </p:attrNameLst>
+                                      </p:cBhvr>
+                                      <p:tavLst>
+                                        <p:tav tm="0">
+                                          <p:val>
+                                            <p:strVal val="ppt_w"/>
+                                          </p:val>
+                                        </p:tav>
+                                        <p:tav tm="5000">
+                                          <p:val>
+                                            <p:strVal val="0.92*ppt_w"/>
+                                          </p:val>
+                                        </p:tav>
+                                        <p:tav tm="10000">
+                                          <p:val>
+                                            <p:strVal val="0.71*ppt_w"/>
+                                          </p:val>
+                                        </p:tav>
+                                        <p:tav tm="15000">
+                                          <p:val>
+                                            <p:strVal val="0.38*ppt_w"/>
+                                          </p:val>
+                                        </p:tav>
+                                        <p:tav tm="20000">
+                                          <p:val>
+                                            <p:fltVal val="0"/>
+                                          </p:val>
+                                        </p:tav>
+                                        <p:tav tm="25000">
+                                          <p:val>
+                                            <p:strVal val="-0.38*ppt_w"/>
+                                          </p:val>
+                                        </p:tav>
+                                        <p:tav tm="30000">
+                                          <p:val>
+                                            <p:strVal val="-0.71*ppt_w"/>
+                                          </p:val>
+                                        </p:tav>
+                                        <p:tav tm="35000">
+                                          <p:val>
+                                            <p:strVal val="-0.92*ppt_w"/>
+                                          </p:val>
+                                        </p:tav>
+                                        <p:tav tm="40000">
+                                          <p:val>
+                                            <p:strVal val="-ppt_w"/>
+                                          </p:val>
+                                        </p:tav>
+                                        <p:tav tm="45000">
+                                          <p:val>
+                                            <p:strVal val="-0.92*ppt_w"/>
+                                          </p:val>
+                                        </p:tav>
+                                        <p:tav tm="50000">
+                                          <p:val>
+                                            <p:strVal val="-0.71*ppt_w"/>
+                                          </p:val>
+                                        </p:tav>
+                                        <p:tav tm="55000">
+                                          <p:val>
+                                            <p:strVal val="-0.38*ppt_w"/>
+                                          </p:val>
+                                        </p:tav>
+                                        <p:tav tm="60000">
+                                          <p:val>
+                                            <p:fltVal val="0"/>
+                                          </p:val>
+                                        </p:tav>
+                                        <p:tav tm="65000">
+                                          <p:val>
+                                            <p:strVal val="0.38*ppt_w"/>
+                                          </p:val>
+                                        </p:tav>
+                                        <p:tav tm="70000">
+                                          <p:val>
+                                            <p:strVal val="0.71*ppt_w"/>
+                                          </p:val>
+                                        </p:tav>
+                                        <p:tav tm="75000">
+                                          <p:val>
+                                            <p:strVal val="0.92*ppt_w"/>
+                                          </p:val>
+                                        </p:tav>
+                                        <p:tav tm="80000">
+                                          <p:val>
+                                            <p:strVal val="ppt_w"/>
+                                          </p:val>
+                                        </p:tav>
+                                        <p:tav tm="85000">
+                                          <p:val>
+                                            <p:strVal val="0.92*ppt_w"/>
+                                          </p:val>
+                                        </p:tav>
+                                        <p:tav tm="90000">
+                                          <p:val>
+                                            <p:strVal val="0.71*ppt_w"/>
+                                          </p:val>
+                                        </p:tav>
+                                        <p:tav tm="95000">
+                                          <p:val>
+                                            <p:strVal val="0.38*ppt_w"/>
+                                          </p:val>
+                                        </p:tav>
+                                        <p:tav tm="100000">
+                                          <p:val>
+                                            <p:fltVal val="0"/>
+                                          </p:val>
+                                        </p:tav>
+                                      </p:tavLst>
+                                    </p:anim>
+                                    <p:anim calcmode="lin" valueType="num">
+                                      <p:cBhvr>
+                                        <p:cTn id="28" dur="2000"/>
+                                        <p:tgtEl>
+                                          <p:spTgt spid="2050"/>
+                                        </p:tgtEl>
+                                        <p:attrNameLst>
+                                          <p:attrName>ppt_h</p:attrName>
+                                        </p:attrNameLst>
+                                      </p:cBhvr>
+                                      <p:tavLst>
+                                        <p:tav tm="0">
+                                          <p:val>
+                                            <p:strVal val="ppt_h"/>
+                                          </p:val>
+                                        </p:tav>
+                                        <p:tav tm="100000">
+                                          <p:val>
+                                            <p:strVal val="ppt_h"/>
+                                          </p:val>
+                                        </p:tav>
+                                      </p:tavLst>
+                                    </p:anim>
+                                    <p:set>
+                                      <p:cBhvr>
+                                        <p:cTn id="29" dur="1" fill="hold">
+                                          <p:stCondLst>
+                                            <p:cond delay="1999"/>
+                                          </p:stCondLst>
+                                        </p:cTn>
+                                        <p:tgtEl>
+                                          <p:spTgt spid="2050"/>
+                                        </p:tgtEl>
+                                        <p:attrNameLst>
+                                          <p:attrName>style.visibility</p:attrName>
+                                        </p:attrNameLst>
+                                      </p:cBhvr>
+                                      <p:to>
+                                        <p:strVal val="hidden"/>
+                                      </p:to>
+                                    </p:set>
+                                  </p:childTnLst>
+                                </p:cTn>
+                              </p:par>
+                            </p:childTnLst>
+                          </p:cTn>
+                        </p:par>
+                      </p:childTnLst>
+                    </p:cTn>
+                  </p:par>
+                </p:childTnLst>
+              </p:cTn>
+              <p:prevCondLst>
+                <p:cond evt="onPrev" delay="0">
+                  <p:tgtEl>
+                    <p:sldTgt/>
+                  </p:tgtEl>
+                </p:cond>
+              </p:prevCondLst>
+              <p:nextCondLst>
+                <p:cond evt="onNext" delay="0">
+                  <p:tgtEl>
+                    <p:sldTgt/>
+                  </p:tgtEl>
+                </p:cond>
+              </p:nextCondLst>
+            </p:seq>
+          </p:childTnLst>
+        </p:cTn>
+      </p:par>
+    </p:tnLst>
+    <p:bldLst>
+      <p:bldP spid="2" grpId="0"/>
+      <p:bldP spid="3" grpId="0" build="p"/>
+    </p:bldLst>
+  </p:timing>
 </p:sld>
 </file>
 
@@ -21131,6 +21799,474 @@
   <p:clrMapOvr>
     <a:masterClrMapping/>
   </p:clrMapOvr>
+  <p:transition spd="slow">
+    <p:push dir="u"/>
+  </p:transition>
+  <p:timing>
+    <p:tnLst>
+      <p:par>
+        <p:cTn id="1" dur="indefinite" restart="never" nodeType="tmRoot">
+          <p:childTnLst>
+            <p:seq concurrent="1" nextAc="seek">
+              <p:cTn id="2" dur="indefinite" nodeType="mainSeq">
+                <p:childTnLst>
+                  <p:par>
+                    <p:cTn id="3" fill="hold">
+                      <p:stCondLst>
+                        <p:cond delay="indefinite"/>
+                      </p:stCondLst>
+                      <p:childTnLst>
+                        <p:par>
+                          <p:cTn id="4" fill="hold">
+                            <p:stCondLst>
+                              <p:cond delay="0"/>
+                            </p:stCondLst>
+                            <p:childTnLst>
+                              <p:par>
+                                <p:cTn id="5" presetID="16" presetClass="entr" presetSubtype="21" fill="hold" grpId="0" nodeType="clickEffect">
+                                  <p:stCondLst>
+                                    <p:cond delay="0"/>
+                                  </p:stCondLst>
+                                  <p:childTnLst>
+                                    <p:set>
+                                      <p:cBhvr>
+                                        <p:cTn id="6" dur="1" fill="hold">
+                                          <p:stCondLst>
+                                            <p:cond delay="0"/>
+                                          </p:stCondLst>
+                                        </p:cTn>
+                                        <p:tgtEl>
+                                          <p:spTgt spid="2"/>
+                                        </p:tgtEl>
+                                        <p:attrNameLst>
+                                          <p:attrName>style.visibility</p:attrName>
+                                        </p:attrNameLst>
+                                      </p:cBhvr>
+                                      <p:to>
+                                        <p:strVal val="visible"/>
+                                      </p:to>
+                                    </p:set>
+                                    <p:animEffect transition="in" filter="barn(inVertical)">
+                                      <p:cBhvr>
+                                        <p:cTn id="7" dur="500"/>
+                                        <p:tgtEl>
+                                          <p:spTgt spid="2"/>
+                                        </p:tgtEl>
+                                      </p:cBhvr>
+                                    </p:animEffect>
+                                  </p:childTnLst>
+                                </p:cTn>
+                              </p:par>
+                            </p:childTnLst>
+                          </p:cTn>
+                        </p:par>
+                      </p:childTnLst>
+                    </p:cTn>
+                  </p:par>
+                  <p:par>
+                    <p:cTn id="8" fill="hold">
+                      <p:stCondLst>
+                        <p:cond delay="indefinite"/>
+                      </p:stCondLst>
+                      <p:childTnLst>
+                        <p:par>
+                          <p:cTn id="9" fill="hold">
+                            <p:stCondLst>
+                              <p:cond delay="0"/>
+                            </p:stCondLst>
+                            <p:childTnLst>
+                              <p:par>
+                                <p:cTn id="10" presetID="34" presetClass="emph" presetSubtype="0" fill="hold" grpId="0" nodeType="clickEffect">
+                                  <p:stCondLst>
+                                    <p:cond delay="0"/>
+                                  </p:stCondLst>
+                                  <p:iterate type="lt">
+                                    <p:tmPct val="10000"/>
+                                  </p:iterate>
+                                  <p:childTnLst>
+                                    <p:animMotion origin="layout" path="M 0.0 0.0 L 0.0 -0.07213" pathEditMode="relative" ptsTypes="">
+                                      <p:cBhvr>
+                                        <p:cTn id="11" dur="250" accel="50000" decel="50000" autoRev="1" fill="hold">
+                                          <p:stCondLst>
+                                            <p:cond delay="0"/>
+                                          </p:stCondLst>
+                                        </p:cTn>
+                                        <p:tgtEl>
+                                          <p:spTgt spid="4">
+                                            <p:txEl>
+                                              <p:pRg st="0" end="0"/>
+                                            </p:txEl>
+                                          </p:spTgt>
+                                        </p:tgtEl>
+                                        <p:attrNameLst>
+                                          <p:attrName>ppt_x</p:attrName>
+                                          <p:attrName>ppt_y</p:attrName>
+                                        </p:attrNameLst>
+                                      </p:cBhvr>
+                                    </p:animMotion>
+                                    <p:animRot by="1500000">
+                                      <p:cBhvr>
+                                        <p:cTn id="12" dur="125" fill="hold">
+                                          <p:stCondLst>
+                                            <p:cond delay="0"/>
+                                          </p:stCondLst>
+                                        </p:cTn>
+                                        <p:tgtEl>
+                                          <p:spTgt spid="4">
+                                            <p:txEl>
+                                              <p:pRg st="0" end="0"/>
+                                            </p:txEl>
+                                          </p:spTgt>
+                                        </p:tgtEl>
+                                        <p:attrNameLst>
+                                          <p:attrName>r</p:attrName>
+                                        </p:attrNameLst>
+                                      </p:cBhvr>
+                                    </p:animRot>
+                                    <p:animRot by="-1500000">
+                                      <p:cBhvr>
+                                        <p:cTn id="13" dur="125" fill="hold">
+                                          <p:stCondLst>
+                                            <p:cond delay="125"/>
+                                          </p:stCondLst>
+                                        </p:cTn>
+                                        <p:tgtEl>
+                                          <p:spTgt spid="4">
+                                            <p:txEl>
+                                              <p:pRg st="0" end="0"/>
+                                            </p:txEl>
+                                          </p:spTgt>
+                                        </p:tgtEl>
+                                        <p:attrNameLst>
+                                          <p:attrName>r</p:attrName>
+                                        </p:attrNameLst>
+                                      </p:cBhvr>
+                                    </p:animRot>
+                                    <p:animRot by="-1500000">
+                                      <p:cBhvr>
+                                        <p:cTn id="14" dur="125" fill="hold">
+                                          <p:stCondLst>
+                                            <p:cond delay="250"/>
+                                          </p:stCondLst>
+                                        </p:cTn>
+                                        <p:tgtEl>
+                                          <p:spTgt spid="4">
+                                            <p:txEl>
+                                              <p:pRg st="0" end="0"/>
+                                            </p:txEl>
+                                          </p:spTgt>
+                                        </p:tgtEl>
+                                        <p:attrNameLst>
+                                          <p:attrName>r</p:attrName>
+                                        </p:attrNameLst>
+                                      </p:cBhvr>
+                                    </p:animRot>
+                                    <p:animRot by="1500000">
+                                      <p:cBhvr>
+                                        <p:cTn id="15" dur="125" fill="hold">
+                                          <p:stCondLst>
+                                            <p:cond delay="375"/>
+                                          </p:stCondLst>
+                                        </p:cTn>
+                                        <p:tgtEl>
+                                          <p:spTgt spid="4">
+                                            <p:txEl>
+                                              <p:pRg st="0" end="0"/>
+                                            </p:txEl>
+                                          </p:spTgt>
+                                        </p:tgtEl>
+                                        <p:attrNameLst>
+                                          <p:attrName>r</p:attrName>
+                                        </p:attrNameLst>
+                                      </p:cBhvr>
+                                    </p:animRot>
+                                  </p:childTnLst>
+                                </p:cTn>
+                              </p:par>
+                            </p:childTnLst>
+                          </p:cTn>
+                        </p:par>
+                      </p:childTnLst>
+                    </p:cTn>
+                  </p:par>
+                  <p:par>
+                    <p:cTn id="16" fill="hold">
+                      <p:stCondLst>
+                        <p:cond delay="indefinite"/>
+                      </p:stCondLst>
+                      <p:childTnLst>
+                        <p:par>
+                          <p:cTn id="17" fill="hold">
+                            <p:stCondLst>
+                              <p:cond delay="0"/>
+                            </p:stCondLst>
+                            <p:childTnLst>
+                              <p:par>
+                                <p:cTn id="18" presetID="34" presetClass="emph" presetSubtype="0" fill="hold" grpId="0" nodeType="clickEffect">
+                                  <p:stCondLst>
+                                    <p:cond delay="0"/>
+                                  </p:stCondLst>
+                                  <p:iterate type="lt">
+                                    <p:tmPct val="10000"/>
+                                  </p:iterate>
+                                  <p:childTnLst>
+                                    <p:animMotion origin="layout" path="M 0.0 0.0 L 0.0 -0.07213" pathEditMode="relative" ptsTypes="">
+                                      <p:cBhvr>
+                                        <p:cTn id="19" dur="250" accel="50000" decel="50000" autoRev="1" fill="hold">
+                                          <p:stCondLst>
+                                            <p:cond delay="0"/>
+                                          </p:stCondLst>
+                                        </p:cTn>
+                                        <p:tgtEl>
+                                          <p:spTgt spid="4">
+                                            <p:txEl>
+                                              <p:pRg st="1" end="1"/>
+                                            </p:txEl>
+                                          </p:spTgt>
+                                        </p:tgtEl>
+                                        <p:attrNameLst>
+                                          <p:attrName>ppt_x</p:attrName>
+                                          <p:attrName>ppt_y</p:attrName>
+                                        </p:attrNameLst>
+                                      </p:cBhvr>
+                                    </p:animMotion>
+                                    <p:animRot by="1500000">
+                                      <p:cBhvr>
+                                        <p:cTn id="20" dur="125" fill="hold">
+                                          <p:stCondLst>
+                                            <p:cond delay="0"/>
+                                          </p:stCondLst>
+                                        </p:cTn>
+                                        <p:tgtEl>
+                                          <p:spTgt spid="4">
+                                            <p:txEl>
+                                              <p:pRg st="1" end="1"/>
+                                            </p:txEl>
+                                          </p:spTgt>
+                                        </p:tgtEl>
+                                        <p:attrNameLst>
+                                          <p:attrName>r</p:attrName>
+                                        </p:attrNameLst>
+                                      </p:cBhvr>
+                                    </p:animRot>
+                                    <p:animRot by="-1500000">
+                                      <p:cBhvr>
+                                        <p:cTn id="21" dur="125" fill="hold">
+                                          <p:stCondLst>
+                                            <p:cond delay="125"/>
+                                          </p:stCondLst>
+                                        </p:cTn>
+                                        <p:tgtEl>
+                                          <p:spTgt spid="4">
+                                            <p:txEl>
+                                              <p:pRg st="1" end="1"/>
+                                            </p:txEl>
+                                          </p:spTgt>
+                                        </p:tgtEl>
+                                        <p:attrNameLst>
+                                          <p:attrName>r</p:attrName>
+                                        </p:attrNameLst>
+                                      </p:cBhvr>
+                                    </p:animRot>
+                                    <p:animRot by="-1500000">
+                                      <p:cBhvr>
+                                        <p:cTn id="22" dur="125" fill="hold">
+                                          <p:stCondLst>
+                                            <p:cond delay="250"/>
+                                          </p:stCondLst>
+                                        </p:cTn>
+                                        <p:tgtEl>
+                                          <p:spTgt spid="4">
+                                            <p:txEl>
+                                              <p:pRg st="1" end="1"/>
+                                            </p:txEl>
+                                          </p:spTgt>
+                                        </p:tgtEl>
+                                        <p:attrNameLst>
+                                          <p:attrName>r</p:attrName>
+                                        </p:attrNameLst>
+                                      </p:cBhvr>
+                                    </p:animRot>
+                                    <p:animRot by="1500000">
+                                      <p:cBhvr>
+                                        <p:cTn id="23" dur="125" fill="hold">
+                                          <p:stCondLst>
+                                            <p:cond delay="375"/>
+                                          </p:stCondLst>
+                                        </p:cTn>
+                                        <p:tgtEl>
+                                          <p:spTgt spid="4">
+                                            <p:txEl>
+                                              <p:pRg st="1" end="1"/>
+                                            </p:txEl>
+                                          </p:spTgt>
+                                        </p:tgtEl>
+                                        <p:attrNameLst>
+                                          <p:attrName>r</p:attrName>
+                                        </p:attrNameLst>
+                                      </p:cBhvr>
+                                    </p:animRot>
+                                  </p:childTnLst>
+                                </p:cTn>
+                              </p:par>
+                            </p:childTnLst>
+                          </p:cTn>
+                        </p:par>
+                      </p:childTnLst>
+                    </p:cTn>
+                  </p:par>
+                  <p:par>
+                    <p:cTn id="24" fill="hold">
+                      <p:stCondLst>
+                        <p:cond delay="indefinite"/>
+                      </p:stCondLst>
+                      <p:childTnLst>
+                        <p:par>
+                          <p:cTn id="25" fill="hold">
+                            <p:stCondLst>
+                              <p:cond delay="0"/>
+                            </p:stCondLst>
+                            <p:childTnLst>
+                              <p:par>
+                                <p:cTn id="26" presetID="34" presetClass="emph" presetSubtype="0" fill="hold" grpId="0" nodeType="clickEffect">
+                                  <p:stCondLst>
+                                    <p:cond delay="0"/>
+                                  </p:stCondLst>
+                                  <p:iterate type="lt">
+                                    <p:tmPct val="10000"/>
+                                  </p:iterate>
+                                  <p:childTnLst>
+                                    <p:animMotion origin="layout" path="M 0.0 0.0 L 0.0 -0.07213" pathEditMode="relative" ptsTypes="">
+                                      <p:cBhvr>
+                                        <p:cTn id="27" dur="250" accel="50000" decel="50000" autoRev="1" fill="hold">
+                                          <p:stCondLst>
+                                            <p:cond delay="0"/>
+                                          </p:stCondLst>
+                                        </p:cTn>
+                                        <p:tgtEl>
+                                          <p:spTgt spid="4">
+                                            <p:txEl>
+                                              <p:pRg st="2" end="2"/>
+                                            </p:txEl>
+                                          </p:spTgt>
+                                        </p:tgtEl>
+                                        <p:attrNameLst>
+                                          <p:attrName>ppt_x</p:attrName>
+                                          <p:attrName>ppt_y</p:attrName>
+                                        </p:attrNameLst>
+                                      </p:cBhvr>
+                                    </p:animMotion>
+                                    <p:animRot by="1500000">
+                                      <p:cBhvr>
+                                        <p:cTn id="28" dur="125" fill="hold">
+                                          <p:stCondLst>
+                                            <p:cond delay="0"/>
+                                          </p:stCondLst>
+                                        </p:cTn>
+                                        <p:tgtEl>
+                                          <p:spTgt spid="4">
+                                            <p:txEl>
+                                              <p:pRg st="2" end="2"/>
+                                            </p:txEl>
+                                          </p:spTgt>
+                                        </p:tgtEl>
+                                        <p:attrNameLst>
+                                          <p:attrName>r</p:attrName>
+                                        </p:attrNameLst>
+                                      </p:cBhvr>
+                                    </p:animRot>
+                                    <p:animRot by="-1500000">
+                                      <p:cBhvr>
+                                        <p:cTn id="29" dur="125" fill="hold">
+                                          <p:stCondLst>
+                                            <p:cond delay="125"/>
+                                          </p:stCondLst>
+                                        </p:cTn>
+                                        <p:tgtEl>
+                                          <p:spTgt spid="4">
+                                            <p:txEl>
+                                              <p:pRg st="2" end="2"/>
+                                            </p:txEl>
+                                          </p:spTgt>
+                                        </p:tgtEl>
+                                        <p:attrNameLst>
+                                          <p:attrName>r</p:attrName>
+                                        </p:attrNameLst>
+                                      </p:cBhvr>
+                                    </p:animRot>
+                                    <p:animRot by="-1500000">
+                                      <p:cBhvr>
+                                        <p:cTn id="30" dur="125" fill="hold">
+                                          <p:stCondLst>
+                                            <p:cond delay="250"/>
+                                          </p:stCondLst>
+                                        </p:cTn>
+                                        <p:tgtEl>
+                                          <p:spTgt spid="4">
+                                            <p:txEl>
+                                              <p:pRg st="2" end="2"/>
+                                            </p:txEl>
+                                          </p:spTgt>
+                                        </p:tgtEl>
+                                        <p:attrNameLst>
+                                          <p:attrName>r</p:attrName>
+                                        </p:attrNameLst>
+                                      </p:cBhvr>
+                                    </p:animRot>
+                                    <p:animRot by="1500000">
+                                      <p:cBhvr>
+                                        <p:cTn id="31" dur="125" fill="hold">
+                                          <p:stCondLst>
+                                            <p:cond delay="375"/>
+                                          </p:stCondLst>
+                                        </p:cTn>
+                                        <p:tgtEl>
+                                          <p:spTgt spid="4">
+                                            <p:txEl>
+                                              <p:pRg st="2" end="2"/>
+                                            </p:txEl>
+                                          </p:spTgt>
+                                        </p:tgtEl>
+                                        <p:attrNameLst>
+                                          <p:attrName>r</p:attrName>
+                                        </p:attrNameLst>
+                                      </p:cBhvr>
+                                    </p:animRot>
+                                  </p:childTnLst>
+                                </p:cTn>
+                              </p:par>
+                            </p:childTnLst>
+                          </p:cTn>
+                        </p:par>
+                      </p:childTnLst>
+                    </p:cTn>
+                  </p:par>
+                </p:childTnLst>
+              </p:cTn>
+              <p:prevCondLst>
+                <p:cond evt="onPrev" delay="0">
+                  <p:tgtEl>
+                    <p:sldTgt/>
+                  </p:tgtEl>
+                </p:cond>
+              </p:prevCondLst>
+              <p:nextCondLst>
+                <p:cond evt="onNext" delay="0">
+                  <p:tgtEl>
+                    <p:sldTgt/>
+                  </p:tgtEl>
+                </p:cond>
+              </p:nextCondLst>
+            </p:seq>
+          </p:childTnLst>
+        </p:cTn>
+      </p:par>
+    </p:tnLst>
+    <p:bldLst>
+      <p:bldP spid="2" grpId="0"/>
+      <p:bldP spid="4" grpId="0" build="p"/>
+    </p:bldLst>
+  </p:timing>
 </p:sld>
 </file>
 
@@ -21551,12 +22687,697 @@
   <p:clrMapOvr>
     <a:masterClrMapping/>
   </p:clrMapOvr>
+  <mc:AlternateContent xmlns:mc="http://schemas.openxmlformats.org/markup-compatibility/2006">
+    <mc:Choice xmlns:p14="http://schemas.microsoft.com/office/powerpoint/2010/main" Requires="p14">
+      <p:transition spd="med" p14:dur="700">
+        <p:fade/>
+      </p:transition>
+    </mc:Choice>
+    <mc:Fallback>
+      <p:transition spd="med">
+        <p:fade/>
+      </p:transition>
+    </mc:Fallback>
+  </mc:AlternateContent>
   <p:timing>
     <p:tnLst>
       <p:par>
-        <p:cTn id="1" dur="indefinite" restart="never" nodeType="tmRoot"/>
+        <p:cTn id="1" dur="indefinite" restart="never" nodeType="tmRoot">
+          <p:childTnLst>
+            <p:seq concurrent="1" nextAc="seek">
+              <p:cTn id="2" dur="indefinite" nodeType="mainSeq">
+                <p:childTnLst>
+                  <p:par>
+                    <p:cTn id="3" fill="hold">
+                      <p:stCondLst>
+                        <p:cond delay="indefinite"/>
+                      </p:stCondLst>
+                      <p:childTnLst>
+                        <p:par>
+                          <p:cTn id="4" fill="hold">
+                            <p:stCondLst>
+                              <p:cond delay="0"/>
+                            </p:stCondLst>
+                            <p:childTnLst>
+                              <p:par>
+                                <p:cTn id="5" presetID="45" presetClass="exit" presetSubtype="0" fill="hold" grpId="0" nodeType="clickEffect">
+                                  <p:stCondLst>
+                                    <p:cond delay="0"/>
+                                  </p:stCondLst>
+                                  <p:childTnLst>
+                                    <p:animEffect transition="out" filter="fade">
+                                      <p:cBhvr>
+                                        <p:cTn id="6" dur="2000"/>
+                                        <p:tgtEl>
+                                          <p:spTgt spid="2"/>
+                                        </p:tgtEl>
+                                      </p:cBhvr>
+                                    </p:animEffect>
+                                    <p:anim calcmode="lin" valueType="num">
+                                      <p:cBhvr>
+                                        <p:cTn id="7" dur="2000"/>
+                                        <p:tgtEl>
+                                          <p:spTgt spid="2"/>
+                                        </p:tgtEl>
+                                        <p:attrNameLst>
+                                          <p:attrName>ppt_w</p:attrName>
+                                        </p:attrNameLst>
+                                      </p:cBhvr>
+                                      <p:tavLst>
+                                        <p:tav tm="0">
+                                          <p:val>
+                                            <p:strVal val="ppt_w"/>
+                                          </p:val>
+                                        </p:tav>
+                                        <p:tav tm="5000">
+                                          <p:val>
+                                            <p:strVal val="0.92*ppt_w"/>
+                                          </p:val>
+                                        </p:tav>
+                                        <p:tav tm="10000">
+                                          <p:val>
+                                            <p:strVal val="0.71*ppt_w"/>
+                                          </p:val>
+                                        </p:tav>
+                                        <p:tav tm="15000">
+                                          <p:val>
+                                            <p:strVal val="0.38*ppt_w"/>
+                                          </p:val>
+                                        </p:tav>
+                                        <p:tav tm="20000">
+                                          <p:val>
+                                            <p:fltVal val="0"/>
+                                          </p:val>
+                                        </p:tav>
+                                        <p:tav tm="25000">
+                                          <p:val>
+                                            <p:strVal val="-0.38*ppt_w"/>
+                                          </p:val>
+                                        </p:tav>
+                                        <p:tav tm="30000">
+                                          <p:val>
+                                            <p:strVal val="-0.71*ppt_w"/>
+                                          </p:val>
+                                        </p:tav>
+                                        <p:tav tm="35000">
+                                          <p:val>
+                                            <p:strVal val="-0.92*ppt_w"/>
+                                          </p:val>
+                                        </p:tav>
+                                        <p:tav tm="40000">
+                                          <p:val>
+                                            <p:strVal val="-ppt_w"/>
+                                          </p:val>
+                                        </p:tav>
+                                        <p:tav tm="45000">
+                                          <p:val>
+                                            <p:strVal val="-0.92*ppt_w"/>
+                                          </p:val>
+                                        </p:tav>
+                                        <p:tav tm="50000">
+                                          <p:val>
+                                            <p:strVal val="-0.71*ppt_w"/>
+                                          </p:val>
+                                        </p:tav>
+                                        <p:tav tm="55000">
+                                          <p:val>
+                                            <p:strVal val="-0.38*ppt_w"/>
+                                          </p:val>
+                                        </p:tav>
+                                        <p:tav tm="60000">
+                                          <p:val>
+                                            <p:fltVal val="0"/>
+                                          </p:val>
+                                        </p:tav>
+                                        <p:tav tm="65000">
+                                          <p:val>
+                                            <p:strVal val="0.38*ppt_w"/>
+                                          </p:val>
+                                        </p:tav>
+                                        <p:tav tm="70000">
+                                          <p:val>
+                                            <p:strVal val="0.71*ppt_w"/>
+                                          </p:val>
+                                        </p:tav>
+                                        <p:tav tm="75000">
+                                          <p:val>
+                                            <p:strVal val="0.92*ppt_w"/>
+                                          </p:val>
+                                        </p:tav>
+                                        <p:tav tm="80000">
+                                          <p:val>
+                                            <p:strVal val="ppt_w"/>
+                                          </p:val>
+                                        </p:tav>
+                                        <p:tav tm="85000">
+                                          <p:val>
+                                            <p:strVal val="0.92*ppt_w"/>
+                                          </p:val>
+                                        </p:tav>
+                                        <p:tav tm="90000">
+                                          <p:val>
+                                            <p:strVal val="0.71*ppt_w"/>
+                                          </p:val>
+                                        </p:tav>
+                                        <p:tav tm="95000">
+                                          <p:val>
+                                            <p:strVal val="0.38*ppt_w"/>
+                                          </p:val>
+                                        </p:tav>
+                                        <p:tav tm="100000">
+                                          <p:val>
+                                            <p:fltVal val="0"/>
+                                          </p:val>
+                                        </p:tav>
+                                      </p:tavLst>
+                                    </p:anim>
+                                    <p:anim calcmode="lin" valueType="num">
+                                      <p:cBhvr>
+                                        <p:cTn id="8" dur="2000"/>
+                                        <p:tgtEl>
+                                          <p:spTgt spid="2"/>
+                                        </p:tgtEl>
+                                        <p:attrNameLst>
+                                          <p:attrName>ppt_h</p:attrName>
+                                        </p:attrNameLst>
+                                      </p:cBhvr>
+                                      <p:tavLst>
+                                        <p:tav tm="0">
+                                          <p:val>
+                                            <p:strVal val="ppt_h"/>
+                                          </p:val>
+                                        </p:tav>
+                                        <p:tav tm="100000">
+                                          <p:val>
+                                            <p:strVal val="ppt_h"/>
+                                          </p:val>
+                                        </p:tav>
+                                      </p:tavLst>
+                                    </p:anim>
+                                    <p:set>
+                                      <p:cBhvr>
+                                        <p:cTn id="9" dur="1" fill="hold">
+                                          <p:stCondLst>
+                                            <p:cond delay="1999"/>
+                                          </p:stCondLst>
+                                        </p:cTn>
+                                        <p:tgtEl>
+                                          <p:spTgt spid="2"/>
+                                        </p:tgtEl>
+                                        <p:attrNameLst>
+                                          <p:attrName>style.visibility</p:attrName>
+                                        </p:attrNameLst>
+                                      </p:cBhvr>
+                                      <p:to>
+                                        <p:strVal val="hidden"/>
+                                      </p:to>
+                                    </p:set>
+                                  </p:childTnLst>
+                                </p:cTn>
+                              </p:par>
+                            </p:childTnLst>
+                          </p:cTn>
+                        </p:par>
+                      </p:childTnLst>
+                    </p:cTn>
+                  </p:par>
+                  <p:par>
+                    <p:cTn id="10" fill="hold">
+                      <p:stCondLst>
+                        <p:cond delay="indefinite"/>
+                      </p:stCondLst>
+                      <p:childTnLst>
+                        <p:par>
+                          <p:cTn id="11" fill="hold">
+                            <p:stCondLst>
+                              <p:cond delay="0"/>
+                            </p:stCondLst>
+                            <p:childTnLst>
+                              <p:par>
+                                <p:cTn id="12" presetID="53" presetClass="exit" presetSubtype="32" fill="hold" grpId="0" nodeType="clickEffect">
+                                  <p:stCondLst>
+                                    <p:cond delay="0"/>
+                                  </p:stCondLst>
+                                  <p:childTnLst>
+                                    <p:anim calcmode="lin" valueType="num">
+                                      <p:cBhvr>
+                                        <p:cTn id="13" dur="500"/>
+                                        <p:tgtEl>
+                                          <p:spTgt spid="7">
+                                            <p:txEl>
+                                              <p:pRg st="0" end="0"/>
+                                            </p:txEl>
+                                          </p:spTgt>
+                                        </p:tgtEl>
+                                        <p:attrNameLst>
+                                          <p:attrName>ppt_w</p:attrName>
+                                        </p:attrNameLst>
+                                      </p:cBhvr>
+                                      <p:tavLst>
+                                        <p:tav tm="0">
+                                          <p:val>
+                                            <p:strVal val="ppt_w"/>
+                                          </p:val>
+                                        </p:tav>
+                                        <p:tav tm="100000">
+                                          <p:val>
+                                            <p:fltVal val="0"/>
+                                          </p:val>
+                                        </p:tav>
+                                      </p:tavLst>
+                                    </p:anim>
+                                    <p:anim calcmode="lin" valueType="num">
+                                      <p:cBhvr>
+                                        <p:cTn id="14" dur="500"/>
+                                        <p:tgtEl>
+                                          <p:spTgt spid="7">
+                                            <p:txEl>
+                                              <p:pRg st="0" end="0"/>
+                                            </p:txEl>
+                                          </p:spTgt>
+                                        </p:tgtEl>
+                                        <p:attrNameLst>
+                                          <p:attrName>ppt_h</p:attrName>
+                                        </p:attrNameLst>
+                                      </p:cBhvr>
+                                      <p:tavLst>
+                                        <p:tav tm="0">
+                                          <p:val>
+                                            <p:strVal val="ppt_h"/>
+                                          </p:val>
+                                        </p:tav>
+                                        <p:tav tm="100000">
+                                          <p:val>
+                                            <p:fltVal val="0"/>
+                                          </p:val>
+                                        </p:tav>
+                                      </p:tavLst>
+                                    </p:anim>
+                                    <p:animEffect transition="out" filter="fade">
+                                      <p:cBhvr>
+                                        <p:cTn id="15" dur="500"/>
+                                        <p:tgtEl>
+                                          <p:spTgt spid="7">
+                                            <p:txEl>
+                                              <p:pRg st="0" end="0"/>
+                                            </p:txEl>
+                                          </p:spTgt>
+                                        </p:tgtEl>
+                                      </p:cBhvr>
+                                    </p:animEffect>
+                                    <p:set>
+                                      <p:cBhvr>
+                                        <p:cTn id="16" dur="1" fill="hold">
+                                          <p:stCondLst>
+                                            <p:cond delay="499"/>
+                                          </p:stCondLst>
+                                        </p:cTn>
+                                        <p:tgtEl>
+                                          <p:spTgt spid="7">
+                                            <p:txEl>
+                                              <p:pRg st="0" end="0"/>
+                                            </p:txEl>
+                                          </p:spTgt>
+                                        </p:tgtEl>
+                                        <p:attrNameLst>
+                                          <p:attrName>style.visibility</p:attrName>
+                                        </p:attrNameLst>
+                                      </p:cBhvr>
+                                      <p:to>
+                                        <p:strVal val="hidden"/>
+                                      </p:to>
+                                    </p:set>
+                                  </p:childTnLst>
+                                </p:cTn>
+                              </p:par>
+                            </p:childTnLst>
+                          </p:cTn>
+                        </p:par>
+                      </p:childTnLst>
+                    </p:cTn>
+                  </p:par>
+                  <p:par>
+                    <p:cTn id="17" fill="hold">
+                      <p:stCondLst>
+                        <p:cond delay="indefinite"/>
+                      </p:stCondLst>
+                      <p:childTnLst>
+                        <p:par>
+                          <p:cTn id="18" fill="hold">
+                            <p:stCondLst>
+                              <p:cond delay="0"/>
+                            </p:stCondLst>
+                            <p:childTnLst>
+                              <p:par>
+                                <p:cTn id="19" presetID="53" presetClass="exit" presetSubtype="32" fill="hold" grpId="0" nodeType="clickEffect">
+                                  <p:stCondLst>
+                                    <p:cond delay="0"/>
+                                  </p:stCondLst>
+                                  <p:childTnLst>
+                                    <p:anim calcmode="lin" valueType="num">
+                                      <p:cBhvr>
+                                        <p:cTn id="20" dur="500"/>
+                                        <p:tgtEl>
+                                          <p:spTgt spid="7">
+                                            <p:txEl>
+                                              <p:pRg st="1" end="1"/>
+                                            </p:txEl>
+                                          </p:spTgt>
+                                        </p:tgtEl>
+                                        <p:attrNameLst>
+                                          <p:attrName>ppt_w</p:attrName>
+                                        </p:attrNameLst>
+                                      </p:cBhvr>
+                                      <p:tavLst>
+                                        <p:tav tm="0">
+                                          <p:val>
+                                            <p:strVal val="ppt_w"/>
+                                          </p:val>
+                                        </p:tav>
+                                        <p:tav tm="100000">
+                                          <p:val>
+                                            <p:fltVal val="0"/>
+                                          </p:val>
+                                        </p:tav>
+                                      </p:tavLst>
+                                    </p:anim>
+                                    <p:anim calcmode="lin" valueType="num">
+                                      <p:cBhvr>
+                                        <p:cTn id="21" dur="500"/>
+                                        <p:tgtEl>
+                                          <p:spTgt spid="7">
+                                            <p:txEl>
+                                              <p:pRg st="1" end="1"/>
+                                            </p:txEl>
+                                          </p:spTgt>
+                                        </p:tgtEl>
+                                        <p:attrNameLst>
+                                          <p:attrName>ppt_h</p:attrName>
+                                        </p:attrNameLst>
+                                      </p:cBhvr>
+                                      <p:tavLst>
+                                        <p:tav tm="0">
+                                          <p:val>
+                                            <p:strVal val="ppt_h"/>
+                                          </p:val>
+                                        </p:tav>
+                                        <p:tav tm="100000">
+                                          <p:val>
+                                            <p:fltVal val="0"/>
+                                          </p:val>
+                                        </p:tav>
+                                      </p:tavLst>
+                                    </p:anim>
+                                    <p:animEffect transition="out" filter="fade">
+                                      <p:cBhvr>
+                                        <p:cTn id="22" dur="500"/>
+                                        <p:tgtEl>
+                                          <p:spTgt spid="7">
+                                            <p:txEl>
+                                              <p:pRg st="1" end="1"/>
+                                            </p:txEl>
+                                          </p:spTgt>
+                                        </p:tgtEl>
+                                      </p:cBhvr>
+                                    </p:animEffect>
+                                    <p:set>
+                                      <p:cBhvr>
+                                        <p:cTn id="23" dur="1" fill="hold">
+                                          <p:stCondLst>
+                                            <p:cond delay="499"/>
+                                          </p:stCondLst>
+                                        </p:cTn>
+                                        <p:tgtEl>
+                                          <p:spTgt spid="7">
+                                            <p:txEl>
+                                              <p:pRg st="1" end="1"/>
+                                            </p:txEl>
+                                          </p:spTgt>
+                                        </p:tgtEl>
+                                        <p:attrNameLst>
+                                          <p:attrName>style.visibility</p:attrName>
+                                        </p:attrNameLst>
+                                      </p:cBhvr>
+                                      <p:to>
+                                        <p:strVal val="hidden"/>
+                                      </p:to>
+                                    </p:set>
+                                  </p:childTnLst>
+                                </p:cTn>
+                              </p:par>
+                            </p:childTnLst>
+                          </p:cTn>
+                        </p:par>
+                      </p:childTnLst>
+                    </p:cTn>
+                  </p:par>
+                  <p:par>
+                    <p:cTn id="24" fill="hold">
+                      <p:stCondLst>
+                        <p:cond delay="indefinite"/>
+                      </p:stCondLst>
+                      <p:childTnLst>
+                        <p:par>
+                          <p:cTn id="25" fill="hold">
+                            <p:stCondLst>
+                              <p:cond delay="0"/>
+                            </p:stCondLst>
+                            <p:childTnLst>
+                              <p:par>
+                                <p:cTn id="26" presetID="53" presetClass="exit" presetSubtype="32" fill="hold" grpId="0" nodeType="clickEffect">
+                                  <p:stCondLst>
+                                    <p:cond delay="0"/>
+                                  </p:stCondLst>
+                                  <p:childTnLst>
+                                    <p:anim calcmode="lin" valueType="num">
+                                      <p:cBhvr>
+                                        <p:cTn id="27" dur="500"/>
+                                        <p:tgtEl>
+                                          <p:spTgt spid="7">
+                                            <p:txEl>
+                                              <p:pRg st="2" end="2"/>
+                                            </p:txEl>
+                                          </p:spTgt>
+                                        </p:tgtEl>
+                                        <p:attrNameLst>
+                                          <p:attrName>ppt_w</p:attrName>
+                                        </p:attrNameLst>
+                                      </p:cBhvr>
+                                      <p:tavLst>
+                                        <p:tav tm="0">
+                                          <p:val>
+                                            <p:strVal val="ppt_w"/>
+                                          </p:val>
+                                        </p:tav>
+                                        <p:tav tm="100000">
+                                          <p:val>
+                                            <p:fltVal val="0"/>
+                                          </p:val>
+                                        </p:tav>
+                                      </p:tavLst>
+                                    </p:anim>
+                                    <p:anim calcmode="lin" valueType="num">
+                                      <p:cBhvr>
+                                        <p:cTn id="28" dur="500"/>
+                                        <p:tgtEl>
+                                          <p:spTgt spid="7">
+                                            <p:txEl>
+                                              <p:pRg st="2" end="2"/>
+                                            </p:txEl>
+                                          </p:spTgt>
+                                        </p:tgtEl>
+                                        <p:attrNameLst>
+                                          <p:attrName>ppt_h</p:attrName>
+                                        </p:attrNameLst>
+                                      </p:cBhvr>
+                                      <p:tavLst>
+                                        <p:tav tm="0">
+                                          <p:val>
+                                            <p:strVal val="ppt_h"/>
+                                          </p:val>
+                                        </p:tav>
+                                        <p:tav tm="100000">
+                                          <p:val>
+                                            <p:fltVal val="0"/>
+                                          </p:val>
+                                        </p:tav>
+                                      </p:tavLst>
+                                    </p:anim>
+                                    <p:animEffect transition="out" filter="fade">
+                                      <p:cBhvr>
+                                        <p:cTn id="29" dur="500"/>
+                                        <p:tgtEl>
+                                          <p:spTgt spid="7">
+                                            <p:txEl>
+                                              <p:pRg st="2" end="2"/>
+                                            </p:txEl>
+                                          </p:spTgt>
+                                        </p:tgtEl>
+                                      </p:cBhvr>
+                                    </p:animEffect>
+                                    <p:set>
+                                      <p:cBhvr>
+                                        <p:cTn id="30" dur="1" fill="hold">
+                                          <p:stCondLst>
+                                            <p:cond delay="499"/>
+                                          </p:stCondLst>
+                                        </p:cTn>
+                                        <p:tgtEl>
+                                          <p:spTgt spid="7">
+                                            <p:txEl>
+                                              <p:pRg st="2" end="2"/>
+                                            </p:txEl>
+                                          </p:spTgt>
+                                        </p:tgtEl>
+                                        <p:attrNameLst>
+                                          <p:attrName>style.visibility</p:attrName>
+                                        </p:attrNameLst>
+                                      </p:cBhvr>
+                                      <p:to>
+                                        <p:strVal val="hidden"/>
+                                      </p:to>
+                                    </p:set>
+                                  </p:childTnLst>
+                                </p:cTn>
+                              </p:par>
+                            </p:childTnLst>
+                          </p:cTn>
+                        </p:par>
+                      </p:childTnLst>
+                    </p:cTn>
+                  </p:par>
+                  <p:par>
+                    <p:cTn id="31" fill="hold">
+                      <p:stCondLst>
+                        <p:cond delay="indefinite"/>
+                      </p:stCondLst>
+                      <p:childTnLst>
+                        <p:par>
+                          <p:cTn id="32" fill="hold">
+                            <p:stCondLst>
+                              <p:cond delay="0"/>
+                            </p:stCondLst>
+                            <p:childTnLst>
+                              <p:par>
+                                <p:cTn id="33" presetID="53" presetClass="exit" presetSubtype="32" fill="hold" grpId="0" nodeType="clickEffect">
+                                  <p:stCondLst>
+                                    <p:cond delay="0"/>
+                                  </p:stCondLst>
+                                  <p:childTnLst>
+                                    <p:anim calcmode="lin" valueType="num">
+                                      <p:cBhvr>
+                                        <p:cTn id="34" dur="500"/>
+                                        <p:tgtEl>
+                                          <p:spTgt spid="7">
+                                            <p:bg/>
+                                          </p:spTgt>
+                                        </p:tgtEl>
+                                        <p:attrNameLst>
+                                          <p:attrName>ppt_w</p:attrName>
+                                        </p:attrNameLst>
+                                      </p:cBhvr>
+                                      <p:tavLst>
+                                        <p:tav tm="0">
+                                          <p:val>
+                                            <p:strVal val="ppt_w"/>
+                                          </p:val>
+                                        </p:tav>
+                                        <p:tav tm="100000">
+                                          <p:val>
+                                            <p:fltVal val="0"/>
+                                          </p:val>
+                                        </p:tav>
+                                      </p:tavLst>
+                                    </p:anim>
+                                    <p:anim calcmode="lin" valueType="num">
+                                      <p:cBhvr>
+                                        <p:cTn id="35" dur="500"/>
+                                        <p:tgtEl>
+                                          <p:spTgt spid="7">
+                                            <p:bg/>
+                                          </p:spTgt>
+                                        </p:tgtEl>
+                                        <p:attrNameLst>
+                                          <p:attrName>ppt_h</p:attrName>
+                                        </p:attrNameLst>
+                                      </p:cBhvr>
+                                      <p:tavLst>
+                                        <p:tav tm="0">
+                                          <p:val>
+                                            <p:strVal val="ppt_h"/>
+                                          </p:val>
+                                        </p:tav>
+                                        <p:tav tm="100000">
+                                          <p:val>
+                                            <p:fltVal val="0"/>
+                                          </p:val>
+                                        </p:tav>
+                                      </p:tavLst>
+                                    </p:anim>
+                                    <p:animEffect transition="out" filter="fade">
+                                      <p:cBhvr>
+                                        <p:cTn id="36" dur="500"/>
+                                        <p:tgtEl>
+                                          <p:spTgt spid="7">
+                                            <p:bg/>
+                                          </p:spTgt>
+                                        </p:tgtEl>
+                                      </p:cBhvr>
+                                    </p:animEffect>
+                                    <p:set>
+                                      <p:cBhvr>
+                                        <p:cTn id="37" dur="1" fill="hold">
+                                          <p:stCondLst>
+                                            <p:cond delay="499"/>
+                                          </p:stCondLst>
+                                        </p:cTn>
+                                        <p:tgtEl>
+                                          <p:spTgt spid="7">
+                                            <p:bg/>
+                                          </p:spTgt>
+                                        </p:tgtEl>
+                                        <p:attrNameLst>
+                                          <p:attrName>style.visibility</p:attrName>
+                                        </p:attrNameLst>
+                                      </p:cBhvr>
+                                      <p:to>
+                                        <p:strVal val="hidden"/>
+                                      </p:to>
+                                    </p:set>
+                                  </p:childTnLst>
+                                </p:cTn>
+                              </p:par>
+                            </p:childTnLst>
+                          </p:cTn>
+                        </p:par>
+                      </p:childTnLst>
+                    </p:cTn>
+                  </p:par>
+                </p:childTnLst>
+              </p:cTn>
+              <p:prevCondLst>
+                <p:cond evt="onPrev" delay="0">
+                  <p:tgtEl>
+                    <p:sldTgt/>
+                  </p:tgtEl>
+                </p:cond>
+              </p:prevCondLst>
+              <p:nextCondLst>
+                <p:cond evt="onNext" delay="0">
+                  <p:tgtEl>
+                    <p:sldTgt/>
+                  </p:tgtEl>
+                </p:cond>
+              </p:nextCondLst>
+            </p:seq>
+          </p:childTnLst>
+        </p:cTn>
       </p:par>
     </p:tnLst>
+    <p:bldLst>
+      <p:bldP spid="2" grpId="0"/>
+      <p:bldP spid="7" grpId="0" build="p" animBg="1"/>
+    </p:bldLst>
   </p:timing>
 </p:sld>
 </file>
@@ -21768,6 +23589,191 @@
   <p:clrMapOvr>
     <a:masterClrMapping/>
   </p:clrMapOvr>
+  <p:timing>
+    <p:tnLst>
+      <p:par>
+        <p:cTn id="1" dur="indefinite" restart="never" nodeType="tmRoot">
+          <p:childTnLst>
+            <p:seq concurrent="1" nextAc="seek">
+              <p:cTn id="2" dur="indefinite" nodeType="mainSeq">
+                <p:childTnLst>
+                  <p:par>
+                    <p:cTn id="3" fill="hold">
+                      <p:stCondLst>
+                        <p:cond delay="indefinite"/>
+                      </p:stCondLst>
+                      <p:childTnLst>
+                        <p:par>
+                          <p:cTn id="4" fill="hold">
+                            <p:stCondLst>
+                              <p:cond delay="0"/>
+                            </p:stCondLst>
+                            <p:childTnLst>
+                              <p:par>
+                                <p:cTn id="5" presetID="6" presetClass="exit" presetSubtype="32" fill="hold" grpId="0" nodeType="clickEffect">
+                                  <p:stCondLst>
+                                    <p:cond delay="0"/>
+                                  </p:stCondLst>
+                                  <p:childTnLst>
+                                    <p:animEffect transition="out" filter="circle(out)">
+                                      <p:cBhvr>
+                                        <p:cTn id="6" dur="2000"/>
+                                        <p:tgtEl>
+                                          <p:spTgt spid="3"/>
+                                        </p:tgtEl>
+                                      </p:cBhvr>
+                                    </p:animEffect>
+                                    <p:set>
+                                      <p:cBhvr>
+                                        <p:cTn id="7" dur="1" fill="hold">
+                                          <p:stCondLst>
+                                            <p:cond delay="1999"/>
+                                          </p:stCondLst>
+                                        </p:cTn>
+                                        <p:tgtEl>
+                                          <p:spTgt spid="3"/>
+                                        </p:tgtEl>
+                                        <p:attrNameLst>
+                                          <p:attrName>style.visibility</p:attrName>
+                                        </p:attrNameLst>
+                                      </p:cBhvr>
+                                      <p:to>
+                                        <p:strVal val="hidden"/>
+                                      </p:to>
+                                    </p:set>
+                                  </p:childTnLst>
+                                </p:cTn>
+                              </p:par>
+                            </p:childTnLst>
+                          </p:cTn>
+                        </p:par>
+                      </p:childTnLst>
+                    </p:cTn>
+                  </p:par>
+                  <p:par>
+                    <p:cTn id="8" fill="hold">
+                      <p:stCondLst>
+                        <p:cond delay="indefinite"/>
+                      </p:stCondLst>
+                      <p:childTnLst>
+                        <p:par>
+                          <p:cTn id="9" fill="hold">
+                            <p:stCondLst>
+                              <p:cond delay="0"/>
+                            </p:stCondLst>
+                            <p:childTnLst>
+                              <p:par>
+                                <p:cTn id="10" presetID="53" presetClass="exit" presetSubtype="32" fill="hold" nodeType="clickEffect">
+                                  <p:stCondLst>
+                                    <p:cond delay="0"/>
+                                  </p:stCondLst>
+                                  <p:childTnLst>
+                                    <p:anim calcmode="lin" valueType="num">
+                                      <p:cBhvr>
+                                        <p:cTn id="11" dur="500"/>
+                                        <p:tgtEl>
+                                          <p:spTgt spid="5124"/>
+                                        </p:tgtEl>
+                                        <p:attrNameLst>
+                                          <p:attrName>ppt_w</p:attrName>
+                                        </p:attrNameLst>
+                                      </p:cBhvr>
+                                      <p:tavLst>
+                                        <p:tav tm="0">
+                                          <p:val>
+                                            <p:strVal val="ppt_w"/>
+                                          </p:val>
+                                        </p:tav>
+                                        <p:tav tm="100000">
+                                          <p:val>
+                                            <p:fltVal val="0"/>
+                                          </p:val>
+                                        </p:tav>
+                                      </p:tavLst>
+                                    </p:anim>
+                                    <p:anim calcmode="lin" valueType="num">
+                                      <p:cBhvr>
+                                        <p:cTn id="12" dur="500"/>
+                                        <p:tgtEl>
+                                          <p:spTgt spid="5124"/>
+                                        </p:tgtEl>
+                                        <p:attrNameLst>
+                                          <p:attrName>ppt_h</p:attrName>
+                                        </p:attrNameLst>
+                                      </p:cBhvr>
+                                      <p:tavLst>
+                                        <p:tav tm="0">
+                                          <p:val>
+                                            <p:strVal val="ppt_h"/>
+                                          </p:val>
+                                        </p:tav>
+                                        <p:tav tm="100000">
+                                          <p:val>
+                                            <p:fltVal val="0"/>
+                                          </p:val>
+                                        </p:tav>
+                                      </p:tavLst>
+                                    </p:anim>
+                                    <p:animEffect transition="out" filter="fade">
+                                      <p:cBhvr>
+                                        <p:cTn id="13" dur="500"/>
+                                        <p:tgtEl>
+                                          <p:spTgt spid="5124"/>
+                                        </p:tgtEl>
+                                      </p:cBhvr>
+                                    </p:animEffect>
+                                    <p:set>
+                                      <p:cBhvr>
+                                        <p:cTn id="14" dur="1" fill="hold">
+                                          <p:stCondLst>
+                                            <p:cond delay="499"/>
+                                          </p:stCondLst>
+                                        </p:cTn>
+                                        <p:tgtEl>
+                                          <p:spTgt spid="5124"/>
+                                        </p:tgtEl>
+                                        <p:attrNameLst>
+                                          <p:attrName>style.visibility</p:attrName>
+                                        </p:attrNameLst>
+                                      </p:cBhvr>
+                                      <p:to>
+                                        <p:strVal val="hidden"/>
+                                      </p:to>
+                                    </p:set>
+                                  </p:childTnLst>
+                                </p:cTn>
+                              </p:par>
+                            </p:childTnLst>
+                          </p:cTn>
+                        </p:par>
+                      </p:childTnLst>
+                    </p:cTn>
+                  </p:par>
+                </p:childTnLst>
+              </p:cTn>
+              <p:prevCondLst>
+                <p:cond evt="onPrev" delay="0">
+                  <p:tgtEl>
+                    <p:sldTgt/>
+                  </p:tgtEl>
+                </p:cond>
+              </p:prevCondLst>
+              <p:nextCondLst>
+                <p:cond evt="onNext" delay="0">
+                  <p:tgtEl>
+                    <p:sldTgt/>
+                  </p:tgtEl>
+                </p:cond>
+              </p:nextCondLst>
+            </p:seq>
+          </p:childTnLst>
+        </p:cTn>
+      </p:par>
+    </p:tnLst>
+    <p:bldLst>
+      <p:bldP spid="3" grpId="0"/>
+    </p:bldLst>
+  </p:timing>
 </p:sld>
 </file>
 
